--- a/pursuit_of_coffee.pptx
+++ b/pursuit_of_coffee.pptx
@@ -12,9 +12,10 @@
     <p:sldId id="259" r:id="rId6"/>
     <p:sldId id="261" r:id="rId7"/>
     <p:sldId id="262" r:id="rId8"/>
-    <p:sldId id="263" r:id="rId9"/>
-    <p:sldId id="264" r:id="rId10"/>
-    <p:sldId id="265" r:id="rId11"/>
+    <p:sldId id="266" r:id="rId9"/>
+    <p:sldId id="263" r:id="rId10"/>
+    <p:sldId id="264" r:id="rId11"/>
+    <p:sldId id="265" r:id="rId12"/>
   </p:sldIdLst>
   <p:sldSz cx="12192000" cy="6858000"/>
   <p:notesSz cx="6858000" cy="9144000"/>
@@ -113,6 +114,11 @@
       </a:defRPr>
     </a:lvl9pPr>
   </p:defaultTextStyle>
+  <p:extLst>
+    <p:ext uri="{EFAFB233-063F-42B5-8137-9DF3F51BA10A}">
+      <p15:sldGuideLst xmlns:p15="http://schemas.microsoft.com/office/powerpoint/2012/main"/>
+    </p:ext>
+  </p:extLst>
 </p:presentation>
 </file>
 
@@ -3538,8 +3544,8 @@
         </p:nvSpPr>
         <p:spPr>
           <a:xfrm>
-            <a:off x="6736653" y="4435144"/>
-            <a:ext cx="4805691" cy="838831"/>
+            <a:off x="6574587" y="4494279"/>
+            <a:ext cx="5709435" cy="451717"/>
           </a:xfrm>
         </p:spPr>
         <p:txBody>
@@ -5709,6 +5715,370 @@
 </file>
 
 <file path=ppt/slides/slide10.xml><?xml version="1.0" encoding="utf-8"?>
+<p:sld xmlns:a="http://schemas.openxmlformats.org/drawingml/2006/main" xmlns:r="http://schemas.openxmlformats.org/officeDocument/2006/relationships" xmlns:p="http://schemas.openxmlformats.org/presentationml/2006/main">
+  <p:cSld>
+    <p:bg>
+      <p:bgPr>
+        <a:solidFill>
+          <a:schemeClr val="bg1"/>
+        </a:solidFill>
+        <a:effectLst/>
+      </p:bgPr>
+    </p:bg>
+    <p:spTree>
+      <p:nvGrpSpPr>
+        <p:cNvPr id="1" name=""/>
+        <p:cNvGrpSpPr/>
+        <p:nvPr/>
+      </p:nvGrpSpPr>
+      <p:grpSpPr>
+        <a:xfrm>
+          <a:off x="0" y="0"/>
+          <a:ext cx="0" cy="0"/>
+          <a:chOff x="0" y="0"/>
+          <a:chExt cx="0" cy="0"/>
+        </a:xfrm>
+      </p:grpSpPr>
+      <p:sp useBgFill="1">
+        <p:nvSpPr>
+          <p:cNvPr id="8" name="Rectangle 7">
+            <a:extLst>
+              <a:ext uri="{FF2B5EF4-FFF2-40B4-BE49-F238E27FC236}">
+                <a16:creationId xmlns:a16="http://schemas.microsoft.com/office/drawing/2014/main" id="{081EA652-8C6A-4E69-BEB9-170809474553}"/>
+              </a:ext>
+              <a:ext uri="{C183D7F6-B498-43B3-948B-1728B52AA6E4}">
+                <adec:decorative xmlns:adec="http://schemas.microsoft.com/office/drawing/2017/decorative" val="1"/>
+              </a:ext>
+            </a:extLst>
+          </p:cNvPr>
+          <p:cNvSpPr>
+            <a:spLocks noGrp="1" noRot="1" noChangeAspect="1" noMove="1" noResize="1" noEditPoints="1" noAdjustHandles="1" noChangeArrowheads="1" noChangeShapeType="1" noTextEdit="1"/>
+          </p:cNvSpPr>
+          <p:nvPr>
+            <p:extLst>
+              <p:ext uri="{386F3935-93C4-4BCD-93E2-E3B085C9AB24}">
+                <p16:designElem xmlns:p16="http://schemas.microsoft.com/office/powerpoint/2015/main" val="1"/>
+              </p:ext>
+            </p:extLst>
+          </p:nvPr>
+        </p:nvSpPr>
+        <p:spPr>
+          <a:xfrm>
+            <a:off x="0" y="0"/>
+            <a:ext cx="12192000" cy="6858000"/>
+          </a:xfrm>
+          <a:prstGeom prst="rect">
+            <a:avLst/>
+          </a:prstGeom>
+          <a:ln>
+            <a:noFill/>
+          </a:ln>
+        </p:spPr>
+        <p:style>
+          <a:lnRef idx="2">
+            <a:schemeClr val="accent1">
+              <a:shade val="50000"/>
+            </a:schemeClr>
+          </a:lnRef>
+          <a:fillRef idx="1">
+            <a:schemeClr val="accent1"/>
+          </a:fillRef>
+          <a:effectRef idx="0">
+            <a:schemeClr val="accent1"/>
+          </a:effectRef>
+          <a:fontRef idx="minor">
+            <a:schemeClr val="lt1"/>
+          </a:fontRef>
+        </p:style>
+        <p:txBody>
+          <a:bodyPr rtlCol="0" anchor="ctr"/>
+          <a:lstStyle/>
+          <a:p>
+            <a:pPr algn="ctr"/>
+            <a:endParaRPr lang="en-US"/>
+          </a:p>
+        </p:txBody>
+      </p:sp>
+      <p:sp>
+        <p:nvSpPr>
+          <p:cNvPr id="10" name="Right Triangle 9">
+            <a:extLst>
+              <a:ext uri="{FF2B5EF4-FFF2-40B4-BE49-F238E27FC236}">
+                <a16:creationId xmlns:a16="http://schemas.microsoft.com/office/drawing/2014/main" id="{5298780A-33B9-4EA2-8F67-DE68AD62841B}"/>
+              </a:ext>
+              <a:ext uri="{C183D7F6-B498-43B3-948B-1728B52AA6E4}">
+                <adec:decorative xmlns:adec="http://schemas.microsoft.com/office/drawing/2017/decorative" val="1"/>
+              </a:ext>
+            </a:extLst>
+          </p:cNvPr>
+          <p:cNvSpPr>
+            <a:spLocks noGrp="1" noRot="1" noChangeAspect="1" noMove="1" noResize="1" noEditPoints="1" noAdjustHandles="1" noChangeArrowheads="1" noChangeShapeType="1" noTextEdit="1"/>
+          </p:cNvSpPr>
+          <p:nvPr>
+            <p:extLst>
+              <p:ext uri="{386F3935-93C4-4BCD-93E2-E3B085C9AB24}">
+                <p16:designElem xmlns:p16="http://schemas.microsoft.com/office/powerpoint/2015/main" val="1"/>
+              </p:ext>
+            </p:extLst>
+          </p:nvPr>
+        </p:nvSpPr>
+        <p:spPr>
+          <a:xfrm flipH="1">
+            <a:off x="8576720" y="3335867"/>
+            <a:ext cx="3291840" cy="3200400"/>
+          </a:xfrm>
+          <a:prstGeom prst="rtTriangle">
+            <a:avLst/>
+          </a:prstGeom>
+          <a:solidFill>
+            <a:schemeClr val="accent4"/>
+          </a:solidFill>
+          <a:ln>
+            <a:noFill/>
+          </a:ln>
+        </p:spPr>
+        <p:style>
+          <a:lnRef idx="2">
+            <a:schemeClr val="accent1">
+              <a:shade val="50000"/>
+            </a:schemeClr>
+          </a:lnRef>
+          <a:fillRef idx="1">
+            <a:schemeClr val="accent1"/>
+          </a:fillRef>
+          <a:effectRef idx="0">
+            <a:schemeClr val="accent1"/>
+          </a:effectRef>
+          <a:fontRef idx="minor">
+            <a:schemeClr val="lt1"/>
+          </a:fontRef>
+        </p:style>
+        <p:txBody>
+          <a:bodyPr rtlCol="0" anchor="ctr"/>
+          <a:lstStyle/>
+          <a:p>
+            <a:pPr algn="ctr"/>
+            <a:endParaRPr lang="en-US" dirty="0"/>
+          </a:p>
+        </p:txBody>
+      </p:sp>
+      <p:sp>
+        <p:nvSpPr>
+          <p:cNvPr id="12" name="Rectangle 11">
+            <a:extLst>
+              <a:ext uri="{FF2B5EF4-FFF2-40B4-BE49-F238E27FC236}">
+                <a16:creationId xmlns:a16="http://schemas.microsoft.com/office/drawing/2014/main" id="{7F488E8B-4E1E-4402-8935-D4E6C02615C7}"/>
+              </a:ext>
+              <a:ext uri="{C183D7F6-B498-43B3-948B-1728B52AA6E4}">
+                <adec:decorative xmlns:adec="http://schemas.microsoft.com/office/drawing/2017/decorative" val="1"/>
+              </a:ext>
+            </a:extLst>
+          </p:cNvPr>
+          <p:cNvSpPr>
+            <a:spLocks noGrp="1" noRot="1" noChangeAspect="1" noMove="1" noResize="1" noEditPoints="1" noAdjustHandles="1" noChangeArrowheads="1" noChangeShapeType="1" noTextEdit="1"/>
+          </p:cNvSpPr>
+          <p:nvPr>
+            <p:extLst>
+              <p:ext uri="{386F3935-93C4-4BCD-93E2-E3B085C9AB24}">
+                <p16:designElem xmlns:p16="http://schemas.microsoft.com/office/powerpoint/2015/main" val="1"/>
+              </p:ext>
+            </p:extLst>
+          </p:nvPr>
+        </p:nvSpPr>
+        <p:spPr>
+          <a:xfrm>
+            <a:off x="641774" y="623275"/>
+            <a:ext cx="10905053" cy="5607882"/>
+          </a:xfrm>
+          <a:prstGeom prst="rect">
+            <a:avLst/>
+          </a:prstGeom>
+          <a:noFill/>
+          <a:ln w="19050">
+            <a:solidFill>
+              <a:schemeClr val="tx1">
+                <a:lumMod val="75000"/>
+                <a:lumOff val="25000"/>
+              </a:schemeClr>
+            </a:solidFill>
+          </a:ln>
+        </p:spPr>
+        <p:style>
+          <a:lnRef idx="2">
+            <a:schemeClr val="accent1">
+              <a:shade val="50000"/>
+            </a:schemeClr>
+          </a:lnRef>
+          <a:fillRef idx="1">
+            <a:schemeClr val="accent1"/>
+          </a:fillRef>
+          <a:effectRef idx="0">
+            <a:schemeClr val="accent1"/>
+          </a:effectRef>
+          <a:fontRef idx="minor">
+            <a:schemeClr val="lt1"/>
+          </a:fontRef>
+        </p:style>
+        <p:txBody>
+          <a:bodyPr rtlCol="0" anchor="ctr"/>
+          <a:lstStyle/>
+          <a:p>
+            <a:pPr algn="ctr"/>
+            <a:endParaRPr lang="en-US"/>
+          </a:p>
+        </p:txBody>
+      </p:sp>
+      <p:sp>
+        <p:nvSpPr>
+          <p:cNvPr id="2" name="Заголовок 1">
+            <a:extLst>
+              <a:ext uri="{FF2B5EF4-FFF2-40B4-BE49-F238E27FC236}">
+                <a16:creationId xmlns:a16="http://schemas.microsoft.com/office/drawing/2014/main" id="{96EB45FF-698C-2596-06A3-8B055A01C2DA}"/>
+              </a:ext>
+            </a:extLst>
+          </p:cNvPr>
+          <p:cNvSpPr>
+            <a:spLocks noGrp="1"/>
+          </p:cNvSpPr>
+          <p:nvPr>
+            <p:ph type="title"/>
+          </p:nvPr>
+        </p:nvSpPr>
+        <p:spPr>
+          <a:xfrm>
+            <a:off x="1075767" y="1188637"/>
+            <a:ext cx="2988234" cy="4480726"/>
+          </a:xfrm>
+        </p:spPr>
+        <p:txBody>
+          <a:bodyPr>
+            <a:normAutofit/>
+          </a:bodyPr>
+          <a:lstStyle/>
+          <a:p>
+            <a:pPr algn="r"/>
+            <a:r>
+              <a:rPr lang="ru-RU" sz="4100"/>
+              <a:t>Заключение</a:t>
+            </a:r>
+          </a:p>
+        </p:txBody>
+      </p:sp>
+      <p:cxnSp>
+        <p:nvCxnSpPr>
+          <p:cNvPr id="14" name="Straight Connector 13">
+            <a:extLst>
+              <a:ext uri="{FF2B5EF4-FFF2-40B4-BE49-F238E27FC236}">
+                <a16:creationId xmlns:a16="http://schemas.microsoft.com/office/drawing/2014/main" id="{23AAC9B5-8015-485C-ACF9-A750390E9A56}"/>
+              </a:ext>
+              <a:ext uri="{C183D7F6-B498-43B3-948B-1728B52AA6E4}">
+                <adec:decorative xmlns:adec="http://schemas.microsoft.com/office/drawing/2017/decorative" val="1"/>
+              </a:ext>
+            </a:extLst>
+          </p:cNvPr>
+          <p:cNvCxnSpPr>
+            <a:cxnSpLocks noGrp="1" noRot="1" noChangeAspect="1" noMove="1" noResize="1" noEditPoints="1" noAdjustHandles="1" noChangeArrowheads="1" noChangeShapeType="1"/>
+          </p:cNvCxnSpPr>
+          <p:nvPr>
+            <p:extLst>
+              <p:ext uri="{386F3935-93C4-4BCD-93E2-E3B085C9AB24}">
+                <p16:designElem xmlns:p16="http://schemas.microsoft.com/office/powerpoint/2015/main" val="1"/>
+              </p:ext>
+            </p:extLst>
+          </p:nvPr>
+        </p:nvCxnSpPr>
+        <p:spPr>
+          <a:xfrm>
+            <a:off x="4654296" y="1852863"/>
+            <a:ext cx="0" cy="3236495"/>
+          </a:xfrm>
+          <a:prstGeom prst="line">
+            <a:avLst/>
+          </a:prstGeom>
+          <a:ln w="19050" cap="sq">
+            <a:solidFill>
+              <a:schemeClr val="tx1">
+                <a:lumMod val="75000"/>
+                <a:lumOff val="25000"/>
+              </a:schemeClr>
+            </a:solidFill>
+          </a:ln>
+        </p:spPr>
+        <p:style>
+          <a:lnRef idx="1">
+            <a:schemeClr val="accent1"/>
+          </a:lnRef>
+          <a:fillRef idx="0">
+            <a:schemeClr val="accent1"/>
+          </a:fillRef>
+          <a:effectRef idx="0">
+            <a:schemeClr val="accent1"/>
+          </a:effectRef>
+          <a:fontRef idx="minor">
+            <a:schemeClr val="tx1"/>
+          </a:fontRef>
+        </p:style>
+      </p:cxnSp>
+      <p:sp>
+        <p:nvSpPr>
+          <p:cNvPr id="3" name="Объект 2">
+            <a:extLst>
+              <a:ext uri="{FF2B5EF4-FFF2-40B4-BE49-F238E27FC236}">
+                <a16:creationId xmlns:a16="http://schemas.microsoft.com/office/drawing/2014/main" id="{6EA64ECF-1021-E275-F274-2F65BEB89B7A}"/>
+              </a:ext>
+            </a:extLst>
+          </p:cNvPr>
+          <p:cNvSpPr>
+            <a:spLocks noGrp="1"/>
+          </p:cNvSpPr>
+          <p:nvPr>
+            <p:ph idx="1"/>
+          </p:nvPr>
+        </p:nvSpPr>
+        <p:spPr>
+          <a:xfrm>
+            <a:off x="5255260" y="1648870"/>
+            <a:ext cx="4702848" cy="3560260"/>
+          </a:xfrm>
+        </p:spPr>
+        <p:txBody>
+          <a:bodyPr anchor="ctr">
+            <a:normAutofit/>
+          </a:bodyPr>
+          <a:lstStyle/>
+          <a:p>
+            <a:pPr marL="0" indent="0">
+              <a:buNone/>
+            </a:pPr>
+            <a:r>
+              <a:rPr lang="ru-RU" sz="2400"/>
+              <a:t>Все поставленные задачи выполнены.</a:t>
+            </a:r>
+            <a:r>
+              <a:rPr lang="en-US" sz="2400"/>
+              <a:t> </a:t>
+            </a:r>
+            <a:r>
+              <a:rPr lang="ru-RU" sz="2400"/>
+              <a:t>В дальнейшем планируется выложить игру в интернет, чтобы она стала доступной для других пользователей.</a:t>
+            </a:r>
+          </a:p>
+        </p:txBody>
+      </p:sp>
+    </p:spTree>
+    <p:extLst>
+      <p:ext uri="{BB962C8B-B14F-4D97-AF65-F5344CB8AC3E}">
+        <p14:creationId xmlns:p14="http://schemas.microsoft.com/office/powerpoint/2010/main" val="3145033698"/>
+      </p:ext>
+    </p:extLst>
+  </p:cSld>
+  <p:clrMapOvr>
+    <a:masterClrMapping/>
+  </p:clrMapOvr>
+</p:sld>
+</file>
+
+<file path=ppt/slides/slide11.xml><?xml version="1.0" encoding="utf-8"?>
 <p:sld xmlns:a="http://schemas.openxmlformats.org/drawingml/2006/main" xmlns:r="http://schemas.openxmlformats.org/officeDocument/2006/relationships" xmlns:p="http://schemas.openxmlformats.org/presentationml/2006/main">
   <p:cSld>
     <p:bg>
@@ -7284,7 +7654,15 @@
             </a:pPr>
             <a:r>
               <a:rPr lang="ru-RU" sz="2200" dirty="0"/>
-              <a:t>Создать игру в догонялки для индивидуальной игры пользователя с оригинальным оборудованием.</a:t>
+              <a:t>Создать игру в догонялки для индивидуальной игры пользователя с оригинальным оборудованием</a:t>
+            </a:r>
+            <a:r>
+              <a:rPr lang="en-US" sz="2200" dirty="0"/>
+              <a:t> </a:t>
+            </a:r>
+            <a:r>
+              <a:rPr lang="ru-RU" sz="2200" dirty="0"/>
+              <a:t>и разными персонажами.</a:t>
             </a:r>
           </a:p>
         </p:txBody>
@@ -7557,8 +7935,12 @@
           <a:lstStyle/>
           <a:p>
             <a:r>
-              <a:rPr lang="en-US"/>
-              <a:t>Задачи:</a:t>
+              <a:rPr lang="en-US" dirty="0" err="1"/>
+              <a:t>Задачи</a:t>
+            </a:r>
+            <a:r>
+              <a:rPr lang="en-US" dirty="0"/>
+              <a:t>:</a:t>
             </a:r>
           </a:p>
         </p:txBody>
@@ -7590,6 +7972,208 @@
           </a:bodyPr>
           <a:lstStyle/>
           <a:p>
+            <a:pPr marL="285750">
+              <a:lnSpc>
+                <a:spcPct val="90000"/>
+              </a:lnSpc>
+              <a:spcAft>
+                <a:spcPts val="600"/>
+              </a:spcAft>
+            </a:pPr>
+            <a:r>
+              <a:rPr lang="ru-RU" sz="2000" dirty="0"/>
+              <a:t>1. </a:t>
+            </a:r>
+            <a:r>
+              <a:rPr lang="en-US" sz="2000" dirty="0" err="1"/>
+              <a:t>Сделать</a:t>
+            </a:r>
+            <a:r>
+              <a:rPr lang="en-US" sz="2000" dirty="0"/>
+              <a:t> 5 </a:t>
+            </a:r>
+            <a:r>
+              <a:rPr lang="en-US" sz="2000" dirty="0" err="1"/>
+              <a:t>уровней</a:t>
+            </a:r>
+            <a:r>
+              <a:rPr lang="en-US" sz="2000" dirty="0"/>
+              <a:t> </a:t>
+            </a:r>
+            <a:r>
+              <a:rPr lang="en-US" sz="2000" dirty="0" err="1"/>
+              <a:t>игры</a:t>
+            </a:r>
+            <a:r>
+              <a:rPr lang="en-US" sz="2000" dirty="0"/>
+              <a:t> с </a:t>
+            </a:r>
+            <a:r>
+              <a:rPr lang="en-US" sz="2000" dirty="0" err="1"/>
+              <a:t>разными</a:t>
+            </a:r>
+            <a:r>
+              <a:rPr lang="en-US" sz="2000" dirty="0"/>
+              <a:t> </a:t>
+            </a:r>
+            <a:r>
+              <a:rPr lang="en-US" sz="2000" dirty="0" err="1"/>
+              <a:t>фонами</a:t>
+            </a:r>
+            <a:r>
+              <a:rPr lang="en-US" sz="2000" dirty="0"/>
+              <a:t>.</a:t>
+            </a:r>
+          </a:p>
+          <a:p>
+            <a:pPr marL="285750">
+              <a:lnSpc>
+                <a:spcPct val="90000"/>
+              </a:lnSpc>
+              <a:spcAft>
+                <a:spcPts val="600"/>
+              </a:spcAft>
+            </a:pPr>
+            <a:r>
+              <a:rPr lang="ru-RU" sz="2000" dirty="0"/>
+              <a:t>2. </a:t>
+            </a:r>
+            <a:r>
+              <a:rPr lang="en-US" sz="2000" dirty="0" err="1"/>
+              <a:t>Сделать</a:t>
+            </a:r>
+            <a:r>
+              <a:rPr lang="en-US" sz="2000" dirty="0"/>
+              <a:t> </a:t>
+            </a:r>
+            <a:r>
+              <a:rPr lang="en-US" sz="2000" dirty="0" err="1"/>
+              <a:t>разные</a:t>
+            </a:r>
+            <a:r>
+              <a:rPr lang="en-US" sz="2000" dirty="0"/>
+              <a:t> </a:t>
+            </a:r>
+            <a:r>
+              <a:rPr lang="en-US" sz="2000" dirty="0" err="1"/>
+              <a:t>концовки</a:t>
+            </a:r>
+            <a:r>
+              <a:rPr lang="en-US" sz="2000" dirty="0"/>
+              <a:t> </a:t>
+            </a:r>
+            <a:r>
+              <a:rPr lang="en-US" sz="2000" dirty="0" err="1"/>
+              <a:t>для</a:t>
+            </a:r>
+            <a:r>
+              <a:rPr lang="en-US" sz="2000" dirty="0"/>
+              <a:t> </a:t>
+            </a:r>
+            <a:r>
+              <a:rPr lang="en-US" sz="2000" dirty="0" err="1"/>
+              <a:t>всех</a:t>
+            </a:r>
+            <a:r>
+              <a:rPr lang="en-US" sz="2000" dirty="0"/>
+              <a:t> </a:t>
+            </a:r>
+            <a:r>
+              <a:rPr lang="en-US" sz="2000" dirty="0" err="1"/>
+              <a:t>персонажей</a:t>
+            </a:r>
+            <a:r>
+              <a:rPr lang="ru-RU" sz="2000" dirty="0"/>
+              <a:t>.</a:t>
+            </a:r>
+            <a:endParaRPr lang="en-US" sz="2000" dirty="0"/>
+          </a:p>
+          <a:p>
+            <a:pPr marL="285750">
+              <a:lnSpc>
+                <a:spcPct val="90000"/>
+              </a:lnSpc>
+              <a:spcAft>
+                <a:spcPts val="600"/>
+              </a:spcAft>
+            </a:pPr>
+            <a:r>
+              <a:rPr lang="ru-RU" sz="2000" dirty="0"/>
+              <a:t>3. </a:t>
+            </a:r>
+            <a:r>
+              <a:rPr lang="en-US" sz="2000" dirty="0" err="1"/>
+              <a:t>Сделать</a:t>
+            </a:r>
+            <a:r>
+              <a:rPr lang="en-US" sz="2000" dirty="0"/>
+              <a:t> </a:t>
+            </a:r>
+            <a:r>
+              <a:rPr lang="en-US" sz="2000" dirty="0" err="1"/>
+              <a:t>смену</a:t>
+            </a:r>
+            <a:r>
+              <a:rPr lang="en-US" sz="2000" dirty="0"/>
+              <a:t> </a:t>
+            </a:r>
+            <a:r>
+              <a:rPr lang="en-US" sz="2000" dirty="0" err="1"/>
+              <a:t>персонажей</a:t>
+            </a:r>
+            <a:r>
+              <a:rPr lang="en-US" sz="2000" dirty="0"/>
+              <a:t> </a:t>
+            </a:r>
+            <a:r>
+              <a:rPr lang="en-US" sz="2000" dirty="0" err="1"/>
+              <a:t>во</a:t>
+            </a:r>
+            <a:r>
+              <a:rPr lang="en-US" sz="2000" dirty="0"/>
+              <a:t> </a:t>
+            </a:r>
+            <a:r>
+              <a:rPr lang="en-US" sz="2000" dirty="0" err="1"/>
+              <a:t>время</a:t>
+            </a:r>
+            <a:r>
+              <a:rPr lang="en-US" sz="2000" dirty="0"/>
+              <a:t> </a:t>
+            </a:r>
+            <a:r>
+              <a:rPr lang="en-US" sz="2000" dirty="0" err="1"/>
+              <a:t>игры</a:t>
+            </a:r>
+            <a:r>
+              <a:rPr lang="ru-RU" sz="2000" dirty="0"/>
+              <a:t>.</a:t>
+            </a:r>
+          </a:p>
+          <a:p>
+            <a:pPr marL="285750">
+              <a:lnSpc>
+                <a:spcPct val="90000"/>
+              </a:lnSpc>
+              <a:spcAft>
+                <a:spcPts val="600"/>
+              </a:spcAft>
+            </a:pPr>
+            <a:r>
+              <a:rPr lang="ru-RU" sz="2000" dirty="0"/>
+              <a:t>4. Написать код, основываясь на принципы </a:t>
+            </a:r>
+            <a:r>
+              <a:rPr lang="en-US" sz="2000" dirty="0"/>
+              <a:t>SOLID</a:t>
+            </a:r>
+            <a:r>
+              <a:rPr lang="ru-RU" sz="2000" dirty="0"/>
+              <a:t>.</a:t>
+            </a:r>
+            <a:endParaRPr lang="en-US" sz="2000" dirty="0"/>
+          </a:p>
+          <a:p>
             <a:pPr marL="514350" indent="-228600">
               <a:lnSpc>
                 <a:spcPct val="90000"/>
@@ -7600,55 +8184,7 @@
               <a:buFont typeface="Arial" panose="020B0604020202020204" pitchFamily="34" charset="0"/>
               <a:buChar char="•"/>
             </a:pPr>
-            <a:r>
-              <a:rPr lang="en-US" sz="2000"/>
-              <a:t>Сделать 5 уровней игры с разными фонами.</a:t>
-            </a:r>
-          </a:p>
-          <a:p>
-            <a:pPr marL="514350" indent="-228600">
-              <a:lnSpc>
-                <a:spcPct val="90000"/>
-              </a:lnSpc>
-              <a:spcAft>
-                <a:spcPts val="600"/>
-              </a:spcAft>
-              <a:buFont typeface="Arial" panose="020B0604020202020204" pitchFamily="34" charset="0"/>
-              <a:buChar char="•"/>
-            </a:pPr>
-            <a:r>
-              <a:rPr lang="en-US" sz="2000"/>
-              <a:t>Сделать разные концовки для всех персонажей</a:t>
-            </a:r>
-          </a:p>
-          <a:p>
-            <a:pPr marL="514350" indent="-228600">
-              <a:lnSpc>
-                <a:spcPct val="90000"/>
-              </a:lnSpc>
-              <a:spcAft>
-                <a:spcPts val="600"/>
-              </a:spcAft>
-              <a:buFont typeface="Arial" panose="020B0604020202020204" pitchFamily="34" charset="0"/>
-              <a:buChar char="•"/>
-            </a:pPr>
-            <a:r>
-              <a:rPr lang="en-US" sz="2000"/>
-              <a:t>Сделать смену персонажей во время игры</a:t>
-            </a:r>
-          </a:p>
-          <a:p>
-            <a:pPr marL="514350" indent="-228600">
-              <a:lnSpc>
-                <a:spcPct val="90000"/>
-              </a:lnSpc>
-              <a:spcAft>
-                <a:spcPts val="600"/>
-              </a:spcAft>
-              <a:buFont typeface="Arial" panose="020B0604020202020204" pitchFamily="34" charset="0"/>
-              <a:buChar char="•"/>
-            </a:pPr>
-            <a:endParaRPr lang="en-US" sz="2000"/>
+            <a:endParaRPr lang="en-US" sz="2000" dirty="0"/>
           </a:p>
         </p:txBody>
       </p:sp>
@@ -8425,12 +8961,31 @@
   <p:cSld>
     <p:bg>
       <p:bgPr>
-        <a:blipFill>
-          <a:blip r:embed="rId2"/>
-          <a:stretch>
-            <a:fillRect/>
-          </a:stretch>
-        </a:blipFill>
+        <a:gradFill flip="none" rotWithShape="1">
+          <a:gsLst>
+            <a:gs pos="0">
+              <a:schemeClr val="accent6">
+                <a:lumMod val="0"/>
+                <a:lumOff val="100000"/>
+              </a:schemeClr>
+            </a:gs>
+            <a:gs pos="35000">
+              <a:schemeClr val="accent6">
+                <a:lumMod val="0"/>
+                <a:lumOff val="100000"/>
+              </a:schemeClr>
+            </a:gs>
+            <a:gs pos="100000">
+              <a:schemeClr val="accent6">
+                <a:lumMod val="100000"/>
+              </a:schemeClr>
+            </a:gs>
+          </a:gsLst>
+          <a:path path="circle">
+            <a:fillToRect l="50000" t="-80000" r="50000" b="180000"/>
+          </a:path>
+          <a:tileRect/>
+        </a:gradFill>
         <a:effectLst/>
       </p:bgPr>
     </p:bg>
@@ -8569,7 +9124,7 @@
           <p:nvPr/>
         </p:nvPicPr>
         <p:blipFill>
-          <a:blip r:embed="rId3">
+          <a:blip r:embed="rId2">
             <a:extLst>
               <a:ext uri="{28A0092B-C50C-407E-A947-70E740481C1C}">
                 <a14:useLocalDpi xmlns:a14="http://schemas.microsoft.com/office/drawing/2010/main" val="0"/>
@@ -8607,7 +9162,7 @@
           </p:nvPr>
         </p:nvPicPr>
         <p:blipFill rotWithShape="1">
-          <a:blip r:embed="rId4">
+          <a:blip r:embed="rId3">
             <a:extLst>
               <a:ext uri="{28A0092B-C50C-407E-A947-70E740481C1C}">
                 <a14:useLocalDpi xmlns:a14="http://schemas.microsoft.com/office/drawing/2010/main" val="0"/>
@@ -8642,7 +9197,7 @@
           <p:nvPr/>
         </p:nvPicPr>
         <p:blipFill rotWithShape="1">
-          <a:blip r:embed="rId5">
+          <a:blip r:embed="rId4">
             <a:extLst>
               <a:ext uri="{28A0092B-C50C-407E-A947-70E740481C1C}">
                 <a14:useLocalDpi xmlns:a14="http://schemas.microsoft.com/office/drawing/2010/main" val="0"/>
@@ -8811,7 +9366,7 @@
         </p:blipFill>
         <p:spPr>
           <a:xfrm>
-            <a:off x="6977062" y="726680"/>
+            <a:off x="6921696" y="659568"/>
             <a:ext cx="1925241" cy="1925241"/>
           </a:xfrm>
           <a:prstGeom prst="rect">
@@ -8833,7 +9388,7 @@
         </p:nvSpPr>
         <p:spPr>
           <a:xfrm>
-            <a:off x="6977062" y="2510308"/>
+            <a:off x="6977061" y="2475670"/>
             <a:ext cx="1814513" cy="363538"/>
           </a:xfrm>
           <a:prstGeom prst="rect">
@@ -9626,7 +10181,7 @@
         </p:nvSpPr>
         <p:spPr>
           <a:xfrm>
-            <a:off x="6215513" y="1678032"/>
+            <a:off x="7021755" y="1643775"/>
             <a:ext cx="6097604" cy="369332"/>
           </a:xfrm>
           <a:prstGeom prst="rect">
@@ -9665,7 +10220,7 @@
         </p:nvSpPr>
         <p:spPr>
           <a:xfrm>
-            <a:off x="8609804" y="3429000"/>
+            <a:off x="9339566" y="3355741"/>
             <a:ext cx="1956951" cy="369332"/>
           </a:xfrm>
           <a:prstGeom prst="rect">
@@ -9720,7 +10275,7 @@
         </p:nvSpPr>
         <p:spPr>
           <a:xfrm>
-            <a:off x="6762471" y="3429000"/>
+            <a:off x="7363238" y="3356383"/>
             <a:ext cx="647934" cy="369332"/>
           </a:xfrm>
           <a:prstGeom prst="rect">
@@ -9766,8 +10321,8 @@
         </p:blipFill>
         <p:spPr>
           <a:xfrm>
-            <a:off x="8781753" y="2101700"/>
-            <a:ext cx="1459527" cy="1196846"/>
+            <a:off x="9532263" y="1876926"/>
+            <a:ext cx="1662360" cy="1363174"/>
           </a:xfrm>
           <a:prstGeom prst="rect">
             <a:avLst/>
@@ -9795,7 +10350,7 @@
         </p:blipFill>
         <p:spPr>
           <a:xfrm>
-            <a:off x="6535554" y="2232155"/>
+            <a:off x="7021755" y="2043254"/>
             <a:ext cx="1330900" cy="1196846"/>
           </a:xfrm>
           <a:prstGeom prst="rect">
@@ -9817,6 +10372,119 @@
 </file>
 
 <file path=ppt/slides/slide8.xml><?xml version="1.0" encoding="utf-8"?>
+<p:sld xmlns:a="http://schemas.openxmlformats.org/drawingml/2006/main" xmlns:r="http://schemas.openxmlformats.org/officeDocument/2006/relationships" xmlns:p="http://schemas.openxmlformats.org/presentationml/2006/main">
+  <p:cSld>
+    <p:bg>
+      <p:bgPr>
+        <a:gradFill flip="none" rotWithShape="1">
+          <a:gsLst>
+            <a:gs pos="0">
+              <a:schemeClr val="accent6">
+                <a:lumMod val="0"/>
+                <a:lumOff val="100000"/>
+              </a:schemeClr>
+            </a:gs>
+            <a:gs pos="35000">
+              <a:schemeClr val="accent6">
+                <a:lumMod val="0"/>
+                <a:lumOff val="100000"/>
+              </a:schemeClr>
+            </a:gs>
+            <a:gs pos="100000">
+              <a:schemeClr val="accent6">
+                <a:lumMod val="100000"/>
+              </a:schemeClr>
+            </a:gs>
+          </a:gsLst>
+          <a:path path="circle">
+            <a:fillToRect l="50000" t="-80000" r="50000" b="180000"/>
+          </a:path>
+          <a:tileRect/>
+        </a:gradFill>
+        <a:effectLst/>
+      </p:bgPr>
+    </p:bg>
+    <p:spTree>
+      <p:nvGrpSpPr>
+        <p:cNvPr id="1" name=""/>
+        <p:cNvGrpSpPr/>
+        <p:nvPr/>
+      </p:nvGrpSpPr>
+      <p:grpSpPr>
+        <a:xfrm>
+          <a:off x="0" y="0"/>
+          <a:ext cx="0" cy="0"/>
+          <a:chOff x="0" y="0"/>
+          <a:chExt cx="0" cy="0"/>
+        </a:xfrm>
+      </p:grpSpPr>
+      <p:sp>
+        <p:nvSpPr>
+          <p:cNvPr id="2" name="Заголовок 1">
+            <a:extLst>
+              <a:ext uri="{FF2B5EF4-FFF2-40B4-BE49-F238E27FC236}">
+                <a16:creationId xmlns:a16="http://schemas.microsoft.com/office/drawing/2014/main" id="{54F46EC9-9C69-6E0A-C60B-54F1A5D87935}"/>
+              </a:ext>
+            </a:extLst>
+          </p:cNvPr>
+          <p:cNvSpPr>
+            <a:spLocks noGrp="1"/>
+          </p:cNvSpPr>
+          <p:nvPr>
+            <p:ph type="title"/>
+          </p:nvPr>
+        </p:nvSpPr>
+        <p:spPr/>
+        <p:txBody>
+          <a:bodyPr/>
+          <a:lstStyle/>
+          <a:p>
+            <a:r>
+              <a:rPr lang="ru-RU" dirty="0"/>
+              <a:t>Видео игры</a:t>
+            </a:r>
+          </a:p>
+        </p:txBody>
+      </p:sp>
+      <p:sp>
+        <p:nvSpPr>
+          <p:cNvPr id="3" name="Объект 2">
+            <a:extLst>
+              <a:ext uri="{FF2B5EF4-FFF2-40B4-BE49-F238E27FC236}">
+                <a16:creationId xmlns:a16="http://schemas.microsoft.com/office/drawing/2014/main" id="{28123B06-8AFA-D7CE-1FA4-F569747CEC87}"/>
+              </a:ext>
+            </a:extLst>
+          </p:cNvPr>
+          <p:cNvSpPr>
+            <a:spLocks noGrp="1"/>
+          </p:cNvSpPr>
+          <p:nvPr>
+            <p:ph idx="1"/>
+          </p:nvPr>
+        </p:nvSpPr>
+        <p:spPr/>
+        <p:txBody>
+          <a:bodyPr/>
+          <a:lstStyle/>
+          <a:p>
+            <a:endParaRPr lang="ru-RU"/>
+          </a:p>
+        </p:txBody>
+      </p:sp>
+    </p:spTree>
+    <p:extLst>
+      <p:ext uri="{BB962C8B-B14F-4D97-AF65-F5344CB8AC3E}">
+        <p14:creationId xmlns:p14="http://schemas.microsoft.com/office/powerpoint/2010/main" val="323938681"/>
+      </p:ext>
+    </p:extLst>
+  </p:cSld>
+  <p:clrMapOvr>
+    <a:masterClrMapping/>
+  </p:clrMapOvr>
+</p:sld>
+</file>
+
+<file path=ppt/slides/slide9.xml><?xml version="1.0" encoding="utf-8"?>
 <p:sld xmlns:a="http://schemas.openxmlformats.org/drawingml/2006/main" xmlns:r="http://schemas.openxmlformats.org/officeDocument/2006/relationships" xmlns:p="http://schemas.openxmlformats.org/presentationml/2006/main">
   <p:cSld>
     <p:bg>
@@ -10497,370 +11165,6 @@
     <p:extLst>
       <p:ext uri="{BB962C8B-B14F-4D97-AF65-F5344CB8AC3E}">
         <p14:creationId xmlns:p14="http://schemas.microsoft.com/office/powerpoint/2010/main" val="1092592470"/>
-      </p:ext>
-    </p:extLst>
-  </p:cSld>
-  <p:clrMapOvr>
-    <a:masterClrMapping/>
-  </p:clrMapOvr>
-</p:sld>
-</file>
-
-<file path=ppt/slides/slide9.xml><?xml version="1.0" encoding="utf-8"?>
-<p:sld xmlns:a="http://schemas.openxmlformats.org/drawingml/2006/main" xmlns:r="http://schemas.openxmlformats.org/officeDocument/2006/relationships" xmlns:p="http://schemas.openxmlformats.org/presentationml/2006/main">
-  <p:cSld>
-    <p:bg>
-      <p:bgPr>
-        <a:solidFill>
-          <a:schemeClr val="bg1"/>
-        </a:solidFill>
-        <a:effectLst/>
-      </p:bgPr>
-    </p:bg>
-    <p:spTree>
-      <p:nvGrpSpPr>
-        <p:cNvPr id="1" name=""/>
-        <p:cNvGrpSpPr/>
-        <p:nvPr/>
-      </p:nvGrpSpPr>
-      <p:grpSpPr>
-        <a:xfrm>
-          <a:off x="0" y="0"/>
-          <a:ext cx="0" cy="0"/>
-          <a:chOff x="0" y="0"/>
-          <a:chExt cx="0" cy="0"/>
-        </a:xfrm>
-      </p:grpSpPr>
-      <p:sp useBgFill="1">
-        <p:nvSpPr>
-          <p:cNvPr id="8" name="Rectangle 7">
-            <a:extLst>
-              <a:ext uri="{FF2B5EF4-FFF2-40B4-BE49-F238E27FC236}">
-                <a16:creationId xmlns:a16="http://schemas.microsoft.com/office/drawing/2014/main" id="{081EA652-8C6A-4E69-BEB9-170809474553}"/>
-              </a:ext>
-              <a:ext uri="{C183D7F6-B498-43B3-948B-1728B52AA6E4}">
-                <adec:decorative xmlns:adec="http://schemas.microsoft.com/office/drawing/2017/decorative" val="1"/>
-              </a:ext>
-            </a:extLst>
-          </p:cNvPr>
-          <p:cNvSpPr>
-            <a:spLocks noGrp="1" noRot="1" noChangeAspect="1" noMove="1" noResize="1" noEditPoints="1" noAdjustHandles="1" noChangeArrowheads="1" noChangeShapeType="1" noTextEdit="1"/>
-          </p:cNvSpPr>
-          <p:nvPr>
-            <p:extLst>
-              <p:ext uri="{386F3935-93C4-4BCD-93E2-E3B085C9AB24}">
-                <p16:designElem xmlns:p16="http://schemas.microsoft.com/office/powerpoint/2015/main" val="1"/>
-              </p:ext>
-            </p:extLst>
-          </p:nvPr>
-        </p:nvSpPr>
-        <p:spPr>
-          <a:xfrm>
-            <a:off x="0" y="0"/>
-            <a:ext cx="12192000" cy="6858000"/>
-          </a:xfrm>
-          <a:prstGeom prst="rect">
-            <a:avLst/>
-          </a:prstGeom>
-          <a:ln>
-            <a:noFill/>
-          </a:ln>
-        </p:spPr>
-        <p:style>
-          <a:lnRef idx="2">
-            <a:schemeClr val="accent1">
-              <a:shade val="50000"/>
-            </a:schemeClr>
-          </a:lnRef>
-          <a:fillRef idx="1">
-            <a:schemeClr val="accent1"/>
-          </a:fillRef>
-          <a:effectRef idx="0">
-            <a:schemeClr val="accent1"/>
-          </a:effectRef>
-          <a:fontRef idx="minor">
-            <a:schemeClr val="lt1"/>
-          </a:fontRef>
-        </p:style>
-        <p:txBody>
-          <a:bodyPr rtlCol="0" anchor="ctr"/>
-          <a:lstStyle/>
-          <a:p>
-            <a:pPr algn="ctr"/>
-            <a:endParaRPr lang="en-US"/>
-          </a:p>
-        </p:txBody>
-      </p:sp>
-      <p:sp>
-        <p:nvSpPr>
-          <p:cNvPr id="10" name="Right Triangle 9">
-            <a:extLst>
-              <a:ext uri="{FF2B5EF4-FFF2-40B4-BE49-F238E27FC236}">
-                <a16:creationId xmlns:a16="http://schemas.microsoft.com/office/drawing/2014/main" id="{5298780A-33B9-4EA2-8F67-DE68AD62841B}"/>
-              </a:ext>
-              <a:ext uri="{C183D7F6-B498-43B3-948B-1728B52AA6E4}">
-                <adec:decorative xmlns:adec="http://schemas.microsoft.com/office/drawing/2017/decorative" val="1"/>
-              </a:ext>
-            </a:extLst>
-          </p:cNvPr>
-          <p:cNvSpPr>
-            <a:spLocks noGrp="1" noRot="1" noChangeAspect="1" noMove="1" noResize="1" noEditPoints="1" noAdjustHandles="1" noChangeArrowheads="1" noChangeShapeType="1" noTextEdit="1"/>
-          </p:cNvSpPr>
-          <p:nvPr>
-            <p:extLst>
-              <p:ext uri="{386F3935-93C4-4BCD-93E2-E3B085C9AB24}">
-                <p16:designElem xmlns:p16="http://schemas.microsoft.com/office/powerpoint/2015/main" val="1"/>
-              </p:ext>
-            </p:extLst>
-          </p:nvPr>
-        </p:nvSpPr>
-        <p:spPr>
-          <a:xfrm flipH="1">
-            <a:off x="8576720" y="3335867"/>
-            <a:ext cx="3291840" cy="3200400"/>
-          </a:xfrm>
-          <a:prstGeom prst="rtTriangle">
-            <a:avLst/>
-          </a:prstGeom>
-          <a:solidFill>
-            <a:schemeClr val="accent4"/>
-          </a:solidFill>
-          <a:ln>
-            <a:noFill/>
-          </a:ln>
-        </p:spPr>
-        <p:style>
-          <a:lnRef idx="2">
-            <a:schemeClr val="accent1">
-              <a:shade val="50000"/>
-            </a:schemeClr>
-          </a:lnRef>
-          <a:fillRef idx="1">
-            <a:schemeClr val="accent1"/>
-          </a:fillRef>
-          <a:effectRef idx="0">
-            <a:schemeClr val="accent1"/>
-          </a:effectRef>
-          <a:fontRef idx="minor">
-            <a:schemeClr val="lt1"/>
-          </a:fontRef>
-        </p:style>
-        <p:txBody>
-          <a:bodyPr rtlCol="0" anchor="ctr"/>
-          <a:lstStyle/>
-          <a:p>
-            <a:pPr algn="ctr"/>
-            <a:endParaRPr lang="en-US" dirty="0"/>
-          </a:p>
-        </p:txBody>
-      </p:sp>
-      <p:sp>
-        <p:nvSpPr>
-          <p:cNvPr id="12" name="Rectangle 11">
-            <a:extLst>
-              <a:ext uri="{FF2B5EF4-FFF2-40B4-BE49-F238E27FC236}">
-                <a16:creationId xmlns:a16="http://schemas.microsoft.com/office/drawing/2014/main" id="{7F488E8B-4E1E-4402-8935-D4E6C02615C7}"/>
-              </a:ext>
-              <a:ext uri="{C183D7F6-B498-43B3-948B-1728B52AA6E4}">
-                <adec:decorative xmlns:adec="http://schemas.microsoft.com/office/drawing/2017/decorative" val="1"/>
-              </a:ext>
-            </a:extLst>
-          </p:cNvPr>
-          <p:cNvSpPr>
-            <a:spLocks noGrp="1" noRot="1" noChangeAspect="1" noMove="1" noResize="1" noEditPoints="1" noAdjustHandles="1" noChangeArrowheads="1" noChangeShapeType="1" noTextEdit="1"/>
-          </p:cNvSpPr>
-          <p:nvPr>
-            <p:extLst>
-              <p:ext uri="{386F3935-93C4-4BCD-93E2-E3B085C9AB24}">
-                <p16:designElem xmlns:p16="http://schemas.microsoft.com/office/powerpoint/2015/main" val="1"/>
-              </p:ext>
-            </p:extLst>
-          </p:nvPr>
-        </p:nvSpPr>
-        <p:spPr>
-          <a:xfrm>
-            <a:off x="641774" y="623275"/>
-            <a:ext cx="10905053" cy="5607882"/>
-          </a:xfrm>
-          <a:prstGeom prst="rect">
-            <a:avLst/>
-          </a:prstGeom>
-          <a:noFill/>
-          <a:ln w="19050">
-            <a:solidFill>
-              <a:schemeClr val="tx1">
-                <a:lumMod val="75000"/>
-                <a:lumOff val="25000"/>
-              </a:schemeClr>
-            </a:solidFill>
-          </a:ln>
-        </p:spPr>
-        <p:style>
-          <a:lnRef idx="2">
-            <a:schemeClr val="accent1">
-              <a:shade val="50000"/>
-            </a:schemeClr>
-          </a:lnRef>
-          <a:fillRef idx="1">
-            <a:schemeClr val="accent1"/>
-          </a:fillRef>
-          <a:effectRef idx="0">
-            <a:schemeClr val="accent1"/>
-          </a:effectRef>
-          <a:fontRef idx="minor">
-            <a:schemeClr val="lt1"/>
-          </a:fontRef>
-        </p:style>
-        <p:txBody>
-          <a:bodyPr rtlCol="0" anchor="ctr"/>
-          <a:lstStyle/>
-          <a:p>
-            <a:pPr algn="ctr"/>
-            <a:endParaRPr lang="en-US"/>
-          </a:p>
-        </p:txBody>
-      </p:sp>
-      <p:sp>
-        <p:nvSpPr>
-          <p:cNvPr id="2" name="Заголовок 1">
-            <a:extLst>
-              <a:ext uri="{FF2B5EF4-FFF2-40B4-BE49-F238E27FC236}">
-                <a16:creationId xmlns:a16="http://schemas.microsoft.com/office/drawing/2014/main" id="{96EB45FF-698C-2596-06A3-8B055A01C2DA}"/>
-              </a:ext>
-            </a:extLst>
-          </p:cNvPr>
-          <p:cNvSpPr>
-            <a:spLocks noGrp="1"/>
-          </p:cNvSpPr>
-          <p:nvPr>
-            <p:ph type="title"/>
-          </p:nvPr>
-        </p:nvSpPr>
-        <p:spPr>
-          <a:xfrm>
-            <a:off x="1075767" y="1188637"/>
-            <a:ext cx="2988234" cy="4480726"/>
-          </a:xfrm>
-        </p:spPr>
-        <p:txBody>
-          <a:bodyPr>
-            <a:normAutofit/>
-          </a:bodyPr>
-          <a:lstStyle/>
-          <a:p>
-            <a:pPr algn="r"/>
-            <a:r>
-              <a:rPr lang="ru-RU" sz="4100"/>
-              <a:t>Заключение</a:t>
-            </a:r>
-          </a:p>
-        </p:txBody>
-      </p:sp>
-      <p:cxnSp>
-        <p:nvCxnSpPr>
-          <p:cNvPr id="14" name="Straight Connector 13">
-            <a:extLst>
-              <a:ext uri="{FF2B5EF4-FFF2-40B4-BE49-F238E27FC236}">
-                <a16:creationId xmlns:a16="http://schemas.microsoft.com/office/drawing/2014/main" id="{23AAC9B5-8015-485C-ACF9-A750390E9A56}"/>
-              </a:ext>
-              <a:ext uri="{C183D7F6-B498-43B3-948B-1728B52AA6E4}">
-                <adec:decorative xmlns:adec="http://schemas.microsoft.com/office/drawing/2017/decorative" val="1"/>
-              </a:ext>
-            </a:extLst>
-          </p:cNvPr>
-          <p:cNvCxnSpPr>
-            <a:cxnSpLocks noGrp="1" noRot="1" noChangeAspect="1" noMove="1" noResize="1" noEditPoints="1" noAdjustHandles="1" noChangeArrowheads="1" noChangeShapeType="1"/>
-          </p:cNvCxnSpPr>
-          <p:nvPr>
-            <p:extLst>
-              <p:ext uri="{386F3935-93C4-4BCD-93E2-E3B085C9AB24}">
-                <p16:designElem xmlns:p16="http://schemas.microsoft.com/office/powerpoint/2015/main" val="1"/>
-              </p:ext>
-            </p:extLst>
-          </p:nvPr>
-        </p:nvCxnSpPr>
-        <p:spPr>
-          <a:xfrm>
-            <a:off x="4654296" y="1852863"/>
-            <a:ext cx="0" cy="3236495"/>
-          </a:xfrm>
-          <a:prstGeom prst="line">
-            <a:avLst/>
-          </a:prstGeom>
-          <a:ln w="19050" cap="sq">
-            <a:solidFill>
-              <a:schemeClr val="tx1">
-                <a:lumMod val="75000"/>
-                <a:lumOff val="25000"/>
-              </a:schemeClr>
-            </a:solidFill>
-          </a:ln>
-        </p:spPr>
-        <p:style>
-          <a:lnRef idx="1">
-            <a:schemeClr val="accent1"/>
-          </a:lnRef>
-          <a:fillRef idx="0">
-            <a:schemeClr val="accent1"/>
-          </a:fillRef>
-          <a:effectRef idx="0">
-            <a:schemeClr val="accent1"/>
-          </a:effectRef>
-          <a:fontRef idx="minor">
-            <a:schemeClr val="tx1"/>
-          </a:fontRef>
-        </p:style>
-      </p:cxnSp>
-      <p:sp>
-        <p:nvSpPr>
-          <p:cNvPr id="3" name="Объект 2">
-            <a:extLst>
-              <a:ext uri="{FF2B5EF4-FFF2-40B4-BE49-F238E27FC236}">
-                <a16:creationId xmlns:a16="http://schemas.microsoft.com/office/drawing/2014/main" id="{6EA64ECF-1021-E275-F274-2F65BEB89B7A}"/>
-              </a:ext>
-            </a:extLst>
-          </p:cNvPr>
-          <p:cNvSpPr>
-            <a:spLocks noGrp="1"/>
-          </p:cNvSpPr>
-          <p:nvPr>
-            <p:ph idx="1"/>
-          </p:nvPr>
-        </p:nvSpPr>
-        <p:spPr>
-          <a:xfrm>
-            <a:off x="5255260" y="1648870"/>
-            <a:ext cx="4702848" cy="3560260"/>
-          </a:xfrm>
-        </p:spPr>
-        <p:txBody>
-          <a:bodyPr anchor="ctr">
-            <a:normAutofit/>
-          </a:bodyPr>
-          <a:lstStyle/>
-          <a:p>
-            <a:pPr marL="0" indent="0">
-              <a:buNone/>
-            </a:pPr>
-            <a:r>
-              <a:rPr lang="ru-RU" sz="2400"/>
-              <a:t>Все поставленные задачи выполнены.</a:t>
-            </a:r>
-            <a:r>
-              <a:rPr lang="en-US" sz="2400"/>
-              <a:t> </a:t>
-            </a:r>
-            <a:r>
-              <a:rPr lang="ru-RU" sz="2400"/>
-              <a:t>В дальнейшем планируется выложить игру в интернет, чтобы она стала доступной для других пользователей.</a:t>
-            </a:r>
-          </a:p>
-        </p:txBody>
-      </p:sp>
-    </p:spTree>
-    <p:extLst>
-      <p:ext uri="{BB962C8B-B14F-4D97-AF65-F5344CB8AC3E}">
-        <p14:creationId xmlns:p14="http://schemas.microsoft.com/office/powerpoint/2010/main" val="3145033698"/>
       </p:ext>
     </p:extLst>
   </p:cSld>

--- a/pursuit_of_coffee.pptx
+++ b/pursuit_of_coffee.pptx
@@ -269,7 +269,7 @@
           <a:p>
             <a:fld id="{C0E87F42-C3F2-4318-AB94-8275CA6A76A3}" type="datetimeFigureOut">
               <a:rPr lang="ru-RU" smtClean="0"/>
-              <a:t>29.01.2023</a:t>
+              <a:t>30.01.2023</a:t>
             </a:fld>
             <a:endParaRPr lang="ru-RU"/>
           </a:p>
@@ -467,7 +467,7 @@
           <a:p>
             <a:fld id="{C0E87F42-C3F2-4318-AB94-8275CA6A76A3}" type="datetimeFigureOut">
               <a:rPr lang="ru-RU" smtClean="0"/>
-              <a:t>29.01.2023</a:t>
+              <a:t>30.01.2023</a:t>
             </a:fld>
             <a:endParaRPr lang="ru-RU"/>
           </a:p>
@@ -675,7 +675,7 @@
           <a:p>
             <a:fld id="{C0E87F42-C3F2-4318-AB94-8275CA6A76A3}" type="datetimeFigureOut">
               <a:rPr lang="ru-RU" smtClean="0"/>
-              <a:t>29.01.2023</a:t>
+              <a:t>30.01.2023</a:t>
             </a:fld>
             <a:endParaRPr lang="ru-RU"/>
           </a:p>
@@ -873,7 +873,7 @@
           <a:p>
             <a:fld id="{C0E87F42-C3F2-4318-AB94-8275CA6A76A3}" type="datetimeFigureOut">
               <a:rPr lang="ru-RU" smtClean="0"/>
-              <a:t>29.01.2023</a:t>
+              <a:t>30.01.2023</a:t>
             </a:fld>
             <a:endParaRPr lang="ru-RU"/>
           </a:p>
@@ -1148,7 +1148,7 @@
           <a:p>
             <a:fld id="{C0E87F42-C3F2-4318-AB94-8275CA6A76A3}" type="datetimeFigureOut">
               <a:rPr lang="ru-RU" smtClean="0"/>
-              <a:t>29.01.2023</a:t>
+              <a:t>30.01.2023</a:t>
             </a:fld>
             <a:endParaRPr lang="ru-RU"/>
           </a:p>
@@ -1413,7 +1413,7 @@
           <a:p>
             <a:fld id="{C0E87F42-C3F2-4318-AB94-8275CA6A76A3}" type="datetimeFigureOut">
               <a:rPr lang="ru-RU" smtClean="0"/>
-              <a:t>29.01.2023</a:t>
+              <a:t>30.01.2023</a:t>
             </a:fld>
             <a:endParaRPr lang="ru-RU"/>
           </a:p>
@@ -1825,7 +1825,7 @@
           <a:p>
             <a:fld id="{C0E87F42-C3F2-4318-AB94-8275CA6A76A3}" type="datetimeFigureOut">
               <a:rPr lang="ru-RU" smtClean="0"/>
-              <a:t>29.01.2023</a:t>
+              <a:t>30.01.2023</a:t>
             </a:fld>
             <a:endParaRPr lang="ru-RU"/>
           </a:p>
@@ -1966,7 +1966,7 @@
           <a:p>
             <a:fld id="{C0E87F42-C3F2-4318-AB94-8275CA6A76A3}" type="datetimeFigureOut">
               <a:rPr lang="ru-RU" smtClean="0"/>
-              <a:t>29.01.2023</a:t>
+              <a:t>30.01.2023</a:t>
             </a:fld>
             <a:endParaRPr lang="ru-RU"/>
           </a:p>
@@ -2079,7 +2079,7 @@
           <a:p>
             <a:fld id="{C0E87F42-C3F2-4318-AB94-8275CA6A76A3}" type="datetimeFigureOut">
               <a:rPr lang="ru-RU" smtClean="0"/>
-              <a:t>29.01.2023</a:t>
+              <a:t>30.01.2023</a:t>
             </a:fld>
             <a:endParaRPr lang="ru-RU"/>
           </a:p>
@@ -2390,7 +2390,7 @@
           <a:p>
             <a:fld id="{C0E87F42-C3F2-4318-AB94-8275CA6A76A3}" type="datetimeFigureOut">
               <a:rPr lang="ru-RU" smtClean="0"/>
-              <a:t>29.01.2023</a:t>
+              <a:t>30.01.2023</a:t>
             </a:fld>
             <a:endParaRPr lang="ru-RU"/>
           </a:p>
@@ -2678,7 +2678,7 @@
           <a:p>
             <a:fld id="{C0E87F42-C3F2-4318-AB94-8275CA6A76A3}" type="datetimeFigureOut">
               <a:rPr lang="ru-RU" smtClean="0"/>
-              <a:t>29.01.2023</a:t>
+              <a:t>30.01.2023</a:t>
             </a:fld>
             <a:endParaRPr lang="ru-RU"/>
           </a:p>
@@ -2919,7 +2919,7 @@
           <a:p>
             <a:fld id="{C0E87F42-C3F2-4318-AB94-8275CA6A76A3}" type="datetimeFigureOut">
               <a:rPr lang="ru-RU" smtClean="0"/>
-              <a:t>29.01.2023</a:t>
+              <a:t>30.01.2023</a:t>
             </a:fld>
             <a:endParaRPr lang="ru-RU"/>
           </a:p>
@@ -7924,7 +7924,7 @@
         </p:nvSpPr>
         <p:spPr>
           <a:xfrm>
-            <a:off x="838201" y="365125"/>
+            <a:off x="1220128" y="262996"/>
             <a:ext cx="5251316" cy="1807305"/>
           </a:xfrm>
         </p:spPr>
@@ -8039,8 +8039,12 @@
               <a:t>2. </a:t>
             </a:r>
             <a:r>
-              <a:rPr lang="en-US" sz="2000" dirty="0" err="1"/>
-              <a:t>Сделать</a:t>
+              <a:rPr lang="en-US" sz="2000" dirty="0"/>
+              <a:t>С</a:t>
+            </a:r>
+            <a:r>
+              <a:rPr lang="ru-RU" sz="2000" dirty="0" err="1"/>
+              <a:t>оздать</a:t>
             </a:r>
             <a:r>
               <a:rPr lang="en-US" sz="2000" dirty="0"/>
@@ -8170,6 +8174,20 @@
             <a:r>
               <a:rPr lang="ru-RU" sz="2000" dirty="0"/>
               <a:t>.</a:t>
+            </a:r>
+          </a:p>
+          <a:p>
+            <a:pPr marL="285750">
+              <a:lnSpc>
+                <a:spcPct val="90000"/>
+              </a:lnSpc>
+              <a:spcAft>
+                <a:spcPts val="600"/>
+              </a:spcAft>
+            </a:pPr>
+            <a:r>
+              <a:rPr lang="ru-RU" sz="2000" dirty="0"/>
+              <a:t>5. Создать оригинальную музыку.</a:t>
             </a:r>
             <a:endParaRPr lang="en-US" sz="2000" dirty="0"/>
           </a:p>
@@ -10654,7 +10672,59 @@
                 </a:effectLst>
                 <a:latin typeface="Oswald" panose="00000500000000000000" pitchFamily="2" charset="-52"/>
               </a:rPr>
-              <a:t>В нашем проекте использовались такие технологии, как работа с базами данных(нахождение информации), работа с графическим интерфейсом, работа с файлами различных форматов(записывание и вывод информации).</a:t>
+              <a:t>В нашем проекте использовались такие технологии, как работа с базами данных(нахождение информации), работа с графическим интерфейсом, работа с </a:t>
+            </a:r>
+            <a:r>
+              <a:rPr lang="en-US" sz="2000" i="1" u="none" strike="noStrike" dirty="0">
+                <a:effectLst>
+                  <a:outerShdw blurRad="38100" dist="38100" dir="2700000" algn="tl">
+                    <a:srgbClr val="000000">
+                      <a:alpha val="43137"/>
+                    </a:srgbClr>
+                  </a:outerShdw>
+                </a:effectLst>
+                <a:latin typeface="Oswald" panose="00000500000000000000" pitchFamily="2" charset="-52"/>
+              </a:rPr>
+              <a:t>txt </a:t>
+            </a:r>
+            <a:r>
+              <a:rPr lang="ru-RU" sz="2000" i="1" u="none" strike="noStrike" dirty="0">
+                <a:effectLst>
+                  <a:outerShdw blurRad="38100" dist="38100" dir="2700000" algn="tl">
+                    <a:srgbClr val="000000">
+                      <a:alpha val="43137"/>
+                    </a:srgbClr>
+                  </a:outerShdw>
+                </a:effectLst>
+                <a:latin typeface="Oswald" panose="00000500000000000000" pitchFamily="2" charset="-52"/>
+              </a:rPr>
+              <a:t>файлами (записывание и вывод информации).</a:t>
+            </a:r>
+            <a:r>
+              <a:rPr lang="en-US" sz="2000" i="1" u="none" strike="noStrike" dirty="0">
+                <a:effectLst>
+                  <a:outerShdw blurRad="38100" dist="38100" dir="2700000" algn="tl">
+                    <a:srgbClr val="000000">
+                      <a:alpha val="43137"/>
+                    </a:srgbClr>
+                  </a:outerShdw>
+                </a:effectLst>
+                <a:latin typeface="Oswald" panose="00000500000000000000" pitchFamily="2" charset="-52"/>
+              </a:rPr>
+              <a:t> </a:t>
+            </a:r>
+            <a:r>
+              <a:rPr lang="ru-RU" sz="2000" i="1" u="none" strike="noStrike" dirty="0">
+                <a:effectLst>
+                  <a:outerShdw blurRad="38100" dist="38100" dir="2700000" algn="tl">
+                    <a:srgbClr val="000000">
+                      <a:alpha val="43137"/>
+                    </a:srgbClr>
+                  </a:outerShdw>
+                </a:effectLst>
+                <a:latin typeface="Oswald" panose="00000500000000000000" pitchFamily="2" charset="-52"/>
+              </a:rPr>
+              <a:t>Мы также поработали со спрайтами и их столкновениями, создали анимацию бега и прыжков персонажей. Наша игра имеет 5 уровней и два мира. В конце каждой игры подсчитываются результаты (время игра).</a:t>
             </a:r>
             <a:endParaRPr lang="ru-RU" sz="2000" i="1" dirty="0">
               <a:effectLst>
